--- a/Working-On-Laptop-PowerPoint-Templates-Widescreen.pptx
+++ b/Working-On-Laptop-PowerPoint-Templates-Widescreen.pptx
@@ -9,10 +9,10 @@
     <p:sldId id="256" r:id="rId3"/>
     <p:sldId id="257" r:id="rId4"/>
     <p:sldId id="259" r:id="rId5"/>
-    <p:sldId id="260" r:id="rId6"/>
-    <p:sldId id="261" r:id="rId7"/>
-    <p:sldId id="262" r:id="rId8"/>
-    <p:sldId id="263" r:id="rId9"/>
+    <p:sldId id="263" r:id="rId6"/>
+    <p:sldId id="260" r:id="rId7"/>
+    <p:sldId id="261" r:id="rId8"/>
+    <p:sldId id="262" r:id="rId9"/>
   </p:sldIdLst>
   <p:sldSz cx="9144000" cy="5143500" type="screen16x9"/>
   <p:notesSz cx="6858000" cy="9144000"/>
@@ -208,7 +208,7 @@
           <a:p>
             <a:fld id="{63937D59-5EDB-4C39-B697-625748F703B6}" type="datetimeFigureOut">
               <a:rPr lang="en-US" smtClean="0"/>
-              <a:t>6/25/2018</a:t>
+              <a:t>6/26/2018</a:t>
             </a:fld>
             <a:endParaRPr lang="en-US"/>
           </a:p>
@@ -485,7 +485,7 @@
           <a:p>
             <a:fld id="{63937D59-5EDB-4C39-B697-625748F703B6}" type="datetimeFigureOut">
               <a:rPr lang="en-US" smtClean="0"/>
-              <a:t>6/25/2018</a:t>
+              <a:t>6/26/2018</a:t>
             </a:fld>
             <a:endParaRPr lang="en-US"/>
           </a:p>
@@ -738,7 +738,7 @@
           <a:p>
             <a:fld id="{63937D59-5EDB-4C39-B697-625748F703B6}" type="datetimeFigureOut">
               <a:rPr lang="en-US" smtClean="0"/>
-              <a:t>6/25/2018</a:t>
+              <a:t>6/26/2018</a:t>
             </a:fld>
             <a:endParaRPr lang="en-US"/>
           </a:p>
@@ -908,7 +908,7 @@
           <a:p>
             <a:fld id="{63937D59-5EDB-4C39-B697-625748F703B6}" type="datetimeFigureOut">
               <a:rPr lang="en-US" smtClean="0"/>
-              <a:t>6/25/2018</a:t>
+              <a:t>6/26/2018</a:t>
             </a:fld>
             <a:endParaRPr lang="en-US"/>
           </a:p>
@@ -1088,7 +1088,7 @@
           <a:p>
             <a:fld id="{63937D59-5EDB-4C39-B697-625748F703B6}" type="datetimeFigureOut">
               <a:rPr lang="en-US" smtClean="0"/>
-              <a:t>6/25/2018</a:t>
+              <a:t>6/26/2018</a:t>
             </a:fld>
             <a:endParaRPr lang="en-US"/>
           </a:p>
@@ -1720,7 +1720,7 @@
           <a:p>
             <a:fld id="{63937D59-5EDB-4C39-B697-625748F703B6}" type="datetimeFigureOut">
               <a:rPr lang="en-US" smtClean="0"/>
-              <a:t>6/25/2018</a:t>
+              <a:t>6/26/2018</a:t>
             </a:fld>
             <a:endParaRPr lang="en-US"/>
           </a:p>
@@ -1890,7 +1890,7 @@
           <a:p>
             <a:fld id="{63937D59-5EDB-4C39-B697-625748F703B6}" type="datetimeFigureOut">
               <a:rPr lang="en-US" smtClean="0"/>
-              <a:t>6/25/2018</a:t>
+              <a:t>6/26/2018</a:t>
             </a:fld>
             <a:endParaRPr lang="en-US"/>
           </a:p>
@@ -2136,7 +2136,7 @@
           <a:p>
             <a:fld id="{63937D59-5EDB-4C39-B697-625748F703B6}" type="datetimeFigureOut">
               <a:rPr lang="en-US" smtClean="0"/>
-              <a:t>6/25/2018</a:t>
+              <a:t>6/26/2018</a:t>
             </a:fld>
             <a:endParaRPr lang="en-US"/>
           </a:p>
@@ -2424,7 +2424,7 @@
           <a:p>
             <a:fld id="{63937D59-5EDB-4C39-B697-625748F703B6}" type="datetimeFigureOut">
               <a:rPr lang="en-US" smtClean="0"/>
-              <a:t>6/25/2018</a:t>
+              <a:t>6/26/2018</a:t>
             </a:fld>
             <a:endParaRPr lang="en-US"/>
           </a:p>
@@ -2846,7 +2846,7 @@
           <a:p>
             <a:fld id="{63937D59-5EDB-4C39-B697-625748F703B6}" type="datetimeFigureOut">
               <a:rPr lang="en-US" smtClean="0"/>
-              <a:t>6/25/2018</a:t>
+              <a:t>6/26/2018</a:t>
             </a:fld>
             <a:endParaRPr lang="en-US"/>
           </a:p>
@@ -2964,7 +2964,7 @@
           <a:p>
             <a:fld id="{63937D59-5EDB-4C39-B697-625748F703B6}" type="datetimeFigureOut">
               <a:rPr lang="en-US" smtClean="0"/>
-              <a:t>6/25/2018</a:t>
+              <a:t>6/26/2018</a:t>
             </a:fld>
             <a:endParaRPr lang="en-US"/>
           </a:p>
@@ -3468,7 +3468,7 @@
           <a:p>
             <a:fld id="{63937D59-5EDB-4C39-B697-625748F703B6}" type="datetimeFigureOut">
               <a:rPr lang="en-US" smtClean="0"/>
-              <a:t>6/25/2018</a:t>
+              <a:t>6/26/2018</a:t>
             </a:fld>
             <a:endParaRPr lang="en-US"/>
           </a:p>
@@ -3843,55 +3843,6 @@
           <a:chExt cx="0" cy="0"/>
         </a:xfrm>
       </p:grpSpPr>
-      <p:sp>
-        <p:nvSpPr>
-          <p:cNvPr id="7" name="TextBox 6">
-            <a:hlinkClick r:id="rId2"/>
-          </p:cNvPr>
-          <p:cNvSpPr txBox="1"/>
-          <p:nvPr/>
-        </p:nvSpPr>
-        <p:spPr>
-          <a:xfrm>
-            <a:off x="0" y="4844068"/>
-            <a:ext cx="9144000" cy="215444"/>
-          </a:xfrm>
-          <a:prstGeom prst="rect">
-            <a:avLst/>
-          </a:prstGeom>
-          <a:noFill/>
-        </p:spPr>
-        <p:txBody>
-          <a:bodyPr wrap="square" rtlCol="0">
-            <a:spAutoFit/>
-          </a:bodyPr>
-          <a:lstStyle/>
-          <a:p>
-            <a:pPr algn="ctr"/>
-            <a:r>
-              <a:rPr lang="en-US" altLang="ko-KR" sz="800" dirty="0" smtClean="0">
-                <a:solidFill>
-                  <a:schemeClr val="bg1">
-                    <a:lumMod val="85000"/>
-                  </a:schemeClr>
-                </a:solidFill>
-                <a:latin typeface="Arial" pitchFamily="34" charset="0"/>
-                <a:cs typeface="Arial" pitchFamily="34" charset="0"/>
-              </a:rPr>
-              <a:t>ALLPPT.com _ Free PowerPoint Templates, Diagrams and Charts</a:t>
-            </a:r>
-            <a:endParaRPr lang="ko-KR" altLang="en-US" sz="800" dirty="0">
-              <a:solidFill>
-                <a:schemeClr val="bg1">
-                  <a:lumMod val="85000"/>
-                </a:schemeClr>
-              </a:solidFill>
-              <a:latin typeface="Arial" pitchFamily="34" charset="0"/>
-              <a:cs typeface="Arial" pitchFamily="34" charset="0"/>
-            </a:endParaRPr>
-          </a:p>
-        </p:txBody>
-      </p:sp>
       <p:grpSp>
         <p:nvGrpSpPr>
           <p:cNvPr id="8" name="Group 7"/>
@@ -4233,7 +4184,7 @@
           <p:nvPr/>
         </p:nvPicPr>
         <p:blipFill>
-          <a:blip r:embed="rId3" cstate="print">
+          <a:blip r:embed="rId2" cstate="print">
             <a:biLevel thresh="75000"/>
             <a:extLst>
               <a:ext uri="{28A0092B-C50C-407E-A947-70E740481C1C}">
@@ -4818,6 +4769,124 @@
 </file>
 
 <file path=ppt/slides/slide4.xml><?xml version="1.0" encoding="utf-8"?>
+<p:sld xmlns:a="http://schemas.openxmlformats.org/drawingml/2006/main" xmlns:r="http://schemas.openxmlformats.org/officeDocument/2006/relationships" xmlns:p="http://schemas.openxmlformats.org/presentationml/2006/main">
+  <p:cSld>
+    <p:spTree>
+      <p:nvGrpSpPr>
+        <p:cNvPr id="1" name=""/>
+        <p:cNvGrpSpPr/>
+        <p:nvPr/>
+      </p:nvGrpSpPr>
+      <p:grpSpPr>
+        <a:xfrm>
+          <a:off x="0" y="0"/>
+          <a:ext cx="0" cy="0"/>
+          <a:chOff x="0" y="0"/>
+          <a:chExt cx="0" cy="0"/>
+        </a:xfrm>
+      </p:grpSpPr>
+      <p:sp>
+        <p:nvSpPr>
+          <p:cNvPr id="2" name="標題 1"/>
+          <p:cNvSpPr>
+            <a:spLocks noGrp="1"/>
+          </p:cNvSpPr>
+          <p:nvPr>
+            <p:ph type="title"/>
+          </p:nvPr>
+        </p:nvSpPr>
+        <p:spPr/>
+        <p:txBody>
+          <a:bodyPr/>
+          <a:lstStyle/>
+          <a:p>
+            <a:r>
+              <a:rPr lang="en-US" altLang="zh-TW" dirty="0" smtClean="0"/>
+              <a:t>Text Focus</a:t>
+            </a:r>
+            <a:endParaRPr lang="zh-TW" altLang="en-US" dirty="0"/>
+          </a:p>
+        </p:txBody>
+      </p:sp>
+      <p:pic>
+        <p:nvPicPr>
+          <p:cNvPr id="13" name="圖片 12"/>
+          <p:cNvPicPr>
+            <a:picLocks noChangeAspect="1"/>
+          </p:cNvPicPr>
+          <p:nvPr/>
+        </p:nvPicPr>
+        <p:blipFill>
+          <a:blip r:embed="rId2" cstate="print">
+            <a:extLst>
+              <a:ext uri="{28A0092B-C50C-407E-A947-70E740481C1C}">
+                <a14:useLocalDpi xmlns:a14="http://schemas.microsoft.com/office/drawing/2010/main" val="0"/>
+              </a:ext>
+            </a:extLst>
+          </a:blip>
+          <a:stretch>
+            <a:fillRect/>
+          </a:stretch>
+        </p:blipFill>
+        <p:spPr>
+          <a:xfrm>
+            <a:off x="1691680" y="884466"/>
+            <a:ext cx="4979267" cy="2641119"/>
+          </a:xfrm>
+          <a:prstGeom prst="rect">
+            <a:avLst/>
+          </a:prstGeom>
+        </p:spPr>
+      </p:pic>
+      <p:pic>
+        <p:nvPicPr>
+          <p:cNvPr id="8" name="圖片 7"/>
+          <p:cNvPicPr>
+            <a:picLocks noChangeAspect="1"/>
+          </p:cNvPicPr>
+          <p:nvPr/>
+        </p:nvPicPr>
+        <p:blipFill>
+          <a:blip r:embed="rId3" cstate="print">
+            <a:extLst>
+              <a:ext uri="{28A0092B-C50C-407E-A947-70E740481C1C}">
+                <a14:useLocalDpi xmlns:a14="http://schemas.microsoft.com/office/drawing/2010/main" val="0"/>
+              </a:ext>
+            </a:extLst>
+          </a:blip>
+          <a:stretch>
+            <a:fillRect/>
+          </a:stretch>
+        </p:blipFill>
+        <p:spPr>
+          <a:xfrm>
+            <a:off x="5292080" y="1635646"/>
+            <a:ext cx="3480115" cy="3441830"/>
+          </a:xfrm>
+          <a:prstGeom prst="rect">
+            <a:avLst/>
+          </a:prstGeom>
+          <a:ln w="38100">
+            <a:solidFill>
+              <a:schemeClr val="bg1"/>
+            </a:solidFill>
+          </a:ln>
+        </p:spPr>
+      </p:pic>
+    </p:spTree>
+    <p:extLst>
+      <p:ext uri="{BB962C8B-B14F-4D97-AF65-F5344CB8AC3E}">
+        <p14:creationId xmlns:p14="http://schemas.microsoft.com/office/powerpoint/2010/main" val="3817396065"/>
+      </p:ext>
+    </p:extLst>
+  </p:cSld>
+  <p:clrMapOvr>
+    <a:masterClrMapping/>
+  </p:clrMapOvr>
+</p:sld>
+</file>
+
+<file path=ppt/slides/slide5.xml><?xml version="1.0" encoding="utf-8"?>
 <p:sld xmlns:a="http://schemas.openxmlformats.org/drawingml/2006/main" xmlns:r="http://schemas.openxmlformats.org/officeDocument/2006/relationships" xmlns:p="http://schemas.openxmlformats.org/presentationml/2006/main">
   <p:cSld>
     <p:spTree>
@@ -4964,7 +5033,7 @@
 </p:sld>
 </file>
 
-<file path=ppt/slides/slide5.xml><?xml version="1.0" encoding="utf-8"?>
+<file path=ppt/slides/slide6.xml><?xml version="1.0" encoding="utf-8"?>
 <p:sld xmlns:a="http://schemas.openxmlformats.org/drawingml/2006/main" xmlns:r="http://schemas.openxmlformats.org/officeDocument/2006/relationships" xmlns:p="http://schemas.openxmlformats.org/presentationml/2006/main">
   <p:cSld>
     <p:spTree>
@@ -5060,7 +5129,7 @@
         </p:blipFill>
         <p:spPr>
           <a:xfrm>
-            <a:off x="5580112" y="884466"/>
+            <a:off x="5148064" y="884466"/>
             <a:ext cx="2139387" cy="3801870"/>
           </a:xfrm>
           <a:prstGeom prst="rect">
@@ -5072,153 +5141,6 @@
     <p:extLst>
       <p:ext uri="{BB962C8B-B14F-4D97-AF65-F5344CB8AC3E}">
         <p14:creationId xmlns:p14="http://schemas.microsoft.com/office/powerpoint/2010/main" val="253658232"/>
-      </p:ext>
-    </p:extLst>
-  </p:cSld>
-  <p:clrMapOvr>
-    <a:masterClrMapping/>
-  </p:clrMapOvr>
-</p:sld>
-</file>
-
-<file path=ppt/slides/slide6.xml><?xml version="1.0" encoding="utf-8"?>
-<p:sld xmlns:a="http://schemas.openxmlformats.org/drawingml/2006/main" xmlns:r="http://schemas.openxmlformats.org/officeDocument/2006/relationships" xmlns:p="http://schemas.openxmlformats.org/presentationml/2006/main">
-  <p:cSld>
-    <p:spTree>
-      <p:nvGrpSpPr>
-        <p:cNvPr id="1" name=""/>
-        <p:cNvGrpSpPr/>
-        <p:nvPr/>
-      </p:nvGrpSpPr>
-      <p:grpSpPr>
-        <a:xfrm>
-          <a:off x="0" y="0"/>
-          <a:ext cx="0" cy="0"/>
-          <a:chOff x="0" y="0"/>
-          <a:chExt cx="0" cy="0"/>
-        </a:xfrm>
-      </p:grpSpPr>
-      <p:sp>
-        <p:nvSpPr>
-          <p:cNvPr id="2" name="標題 1"/>
-          <p:cNvSpPr>
-            <a:spLocks noGrp="1"/>
-          </p:cNvSpPr>
-          <p:nvPr>
-            <p:ph type="title"/>
-          </p:nvPr>
-        </p:nvSpPr>
-        <p:spPr/>
-        <p:txBody>
-          <a:bodyPr/>
-          <a:lstStyle/>
-          <a:p>
-            <a:r>
-              <a:rPr lang="en-US" altLang="zh-TW" spc="300" dirty="0" smtClean="0"/>
-              <a:t>App</a:t>
-            </a:r>
-            <a:r>
-              <a:rPr lang="zh-TW" altLang="en-US" spc="300" dirty="0" smtClean="0"/>
-              <a:t> 畫面</a:t>
-            </a:r>
-            <a:endParaRPr lang="zh-TW" altLang="en-US" spc="300" dirty="0"/>
-          </a:p>
-        </p:txBody>
-      </p:sp>
-      <p:pic>
-        <p:nvPicPr>
-          <p:cNvPr id="3" name="圖片 2"/>
-          <p:cNvPicPr>
-            <a:picLocks noChangeAspect="1"/>
-          </p:cNvPicPr>
-          <p:nvPr/>
-        </p:nvPicPr>
-        <p:blipFill>
-          <a:blip r:embed="rId2" cstate="print">
-            <a:extLst>
-              <a:ext uri="{28A0092B-C50C-407E-A947-70E740481C1C}">
-                <a14:useLocalDpi xmlns:a14="http://schemas.microsoft.com/office/drawing/2010/main" val="0"/>
-              </a:ext>
-            </a:extLst>
-          </a:blip>
-          <a:stretch>
-            <a:fillRect/>
-          </a:stretch>
-        </p:blipFill>
-        <p:spPr>
-          <a:xfrm>
-            <a:off x="6444208" y="884466"/>
-            <a:ext cx="2223795" cy="3951870"/>
-          </a:xfrm>
-          <a:prstGeom prst="rect">
-            <a:avLst/>
-          </a:prstGeom>
-        </p:spPr>
-      </p:pic>
-      <p:pic>
-        <p:nvPicPr>
-          <p:cNvPr id="4" name="圖片 3"/>
-          <p:cNvPicPr>
-            <a:picLocks noChangeAspect="1"/>
-          </p:cNvPicPr>
-          <p:nvPr/>
-        </p:nvPicPr>
-        <p:blipFill>
-          <a:blip r:embed="rId3" cstate="print">
-            <a:extLst>
-              <a:ext uri="{28A0092B-C50C-407E-A947-70E740481C1C}">
-                <a14:useLocalDpi xmlns:a14="http://schemas.microsoft.com/office/drawing/2010/main" val="0"/>
-              </a:ext>
-            </a:extLst>
-          </a:blip>
-          <a:stretch>
-            <a:fillRect/>
-          </a:stretch>
-        </p:blipFill>
-        <p:spPr>
-          <a:xfrm>
-            <a:off x="4067944" y="884466"/>
-            <a:ext cx="2223795" cy="3951870"/>
-          </a:xfrm>
-          <a:prstGeom prst="rect">
-            <a:avLst/>
-          </a:prstGeom>
-        </p:spPr>
-      </p:pic>
-      <p:pic>
-        <p:nvPicPr>
-          <p:cNvPr id="8" name="圖片 7"/>
-          <p:cNvPicPr>
-            <a:picLocks noChangeAspect="1"/>
-          </p:cNvPicPr>
-          <p:nvPr/>
-        </p:nvPicPr>
-        <p:blipFill>
-          <a:blip r:embed="rId4" cstate="print">
-            <a:extLst>
-              <a:ext uri="{28A0092B-C50C-407E-A947-70E740481C1C}">
-                <a14:useLocalDpi xmlns:a14="http://schemas.microsoft.com/office/drawing/2010/main" val="0"/>
-              </a:ext>
-            </a:extLst>
-          </a:blip>
-          <a:stretch>
-            <a:fillRect/>
-          </a:stretch>
-        </p:blipFill>
-        <p:spPr>
-          <a:xfrm>
-            <a:off x="1731911" y="884466"/>
-            <a:ext cx="2223795" cy="3951870"/>
-          </a:xfrm>
-          <a:prstGeom prst="rect">
-            <a:avLst/>
-          </a:prstGeom>
-        </p:spPr>
-      </p:pic>
-    </p:spTree>
-    <p:extLst>
-      <p:ext uri="{BB962C8B-B14F-4D97-AF65-F5344CB8AC3E}">
-        <p14:creationId xmlns:p14="http://schemas.microsoft.com/office/powerpoint/2010/main" val="650352424"/>
       </p:ext>
     </p:extLst>
   </p:cSld>
@@ -5261,16 +5183,20 @@
           <a:lstStyle/>
           <a:p>
             <a:r>
-              <a:rPr lang="en-US" altLang="zh-TW" dirty="0" smtClean="0"/>
-              <a:t>Text Focus</a:t>
-            </a:r>
-            <a:endParaRPr lang="zh-TW" altLang="en-US" dirty="0"/>
+              <a:rPr lang="en-US" altLang="zh-TW" spc="300" dirty="0" smtClean="0"/>
+              <a:t>App</a:t>
+            </a:r>
+            <a:r>
+              <a:rPr lang="zh-TW" altLang="en-US" spc="300" dirty="0" smtClean="0"/>
+              <a:t> 畫面</a:t>
+            </a:r>
+            <a:endParaRPr lang="zh-TW" altLang="en-US" spc="300" dirty="0"/>
           </a:p>
         </p:txBody>
       </p:sp>
       <p:pic>
         <p:nvPicPr>
-          <p:cNvPr id="13" name="圖片 12"/>
+          <p:cNvPr id="3" name="圖片 2"/>
           <p:cNvPicPr>
             <a:picLocks noChangeAspect="1"/>
           </p:cNvPicPr>
@@ -5290,8 +5216,8 @@
         </p:blipFill>
         <p:spPr>
           <a:xfrm>
-            <a:off x="1691680" y="884466"/>
-            <a:ext cx="4979267" cy="2641119"/>
+            <a:off x="5292080" y="884466"/>
+            <a:ext cx="2223795" cy="3951870"/>
           </a:xfrm>
           <a:prstGeom prst="rect">
             <a:avLst/>
@@ -5320,23 +5246,18 @@
         </p:blipFill>
         <p:spPr>
           <a:xfrm>
-            <a:off x="5292080" y="1635646"/>
-            <a:ext cx="3480115" cy="3441830"/>
+            <a:off x="2627784" y="884466"/>
+            <a:ext cx="2223795" cy="3951870"/>
           </a:xfrm>
           <a:prstGeom prst="rect">
             <a:avLst/>
           </a:prstGeom>
-          <a:ln w="38100">
-            <a:solidFill>
-              <a:schemeClr val="bg1"/>
-            </a:solidFill>
-          </a:ln>
         </p:spPr>
       </p:pic>
     </p:spTree>
     <p:extLst>
       <p:ext uri="{BB962C8B-B14F-4D97-AF65-F5344CB8AC3E}">
-        <p14:creationId xmlns:p14="http://schemas.microsoft.com/office/powerpoint/2010/main" val="3817396065"/>
+        <p14:creationId xmlns:p14="http://schemas.microsoft.com/office/powerpoint/2010/main" val="650352424"/>
       </p:ext>
     </p:extLst>
   </p:cSld>

--- a/Working-On-Laptop-PowerPoint-Templates-Widescreen.pptx
+++ b/Working-On-Laptop-PowerPoint-Templates-Widescreen.pptx
@@ -10,9 +10,10 @@
     <p:sldId id="257" r:id="rId4"/>
     <p:sldId id="259" r:id="rId5"/>
     <p:sldId id="263" r:id="rId6"/>
-    <p:sldId id="260" r:id="rId7"/>
-    <p:sldId id="261" r:id="rId8"/>
-    <p:sldId id="262" r:id="rId9"/>
+    <p:sldId id="264" r:id="rId7"/>
+    <p:sldId id="260" r:id="rId8"/>
+    <p:sldId id="261" r:id="rId9"/>
+    <p:sldId id="262" r:id="rId10"/>
   </p:sldIdLst>
   <p:sldSz cx="9144000" cy="5143500" type="screen16x9"/>
   <p:notesSz cx="6858000" cy="9144000"/>
@@ -4919,6 +4920,89 @@
           <a:lstStyle/>
           <a:p>
             <a:r>
+              <a:rPr lang="en-US" altLang="zh-TW" dirty="0" smtClean="0"/>
+              <a:t>Edit Text</a:t>
+            </a:r>
+            <a:endParaRPr lang="zh-TW" altLang="en-US" dirty="0"/>
+          </a:p>
+        </p:txBody>
+      </p:sp>
+      <p:pic>
+        <p:nvPicPr>
+          <p:cNvPr id="5" name="圖片 4"/>
+          <p:cNvPicPr>
+            <a:picLocks noChangeAspect="1"/>
+          </p:cNvPicPr>
+          <p:nvPr/>
+        </p:nvPicPr>
+        <p:blipFill>
+          <a:blip r:embed="rId2">
+            <a:extLst>
+              <a:ext uri="{28A0092B-C50C-407E-A947-70E740481C1C}">
+                <a14:useLocalDpi xmlns:a14="http://schemas.microsoft.com/office/drawing/2010/main" val="0"/>
+              </a:ext>
+            </a:extLst>
+          </a:blip>
+          <a:stretch>
+            <a:fillRect/>
+          </a:stretch>
+        </p:blipFill>
+        <p:spPr>
+          <a:xfrm>
+            <a:off x="2522220" y="1028700"/>
+            <a:ext cx="5110742" cy="3847306"/>
+          </a:xfrm>
+          <a:prstGeom prst="rect">
+            <a:avLst/>
+          </a:prstGeom>
+        </p:spPr>
+      </p:pic>
+    </p:spTree>
+    <p:extLst>
+      <p:ext uri="{BB962C8B-B14F-4D97-AF65-F5344CB8AC3E}">
+        <p14:creationId xmlns:p14="http://schemas.microsoft.com/office/powerpoint/2010/main" val="1812214897"/>
+      </p:ext>
+    </p:extLst>
+  </p:cSld>
+  <p:clrMapOvr>
+    <a:masterClrMapping/>
+  </p:clrMapOvr>
+</p:sld>
+</file>
+
+<file path=ppt/slides/slide6.xml><?xml version="1.0" encoding="utf-8"?>
+<p:sld xmlns:a="http://schemas.openxmlformats.org/drawingml/2006/main" xmlns:r="http://schemas.openxmlformats.org/officeDocument/2006/relationships" xmlns:p="http://schemas.openxmlformats.org/presentationml/2006/main">
+  <p:cSld>
+    <p:spTree>
+      <p:nvGrpSpPr>
+        <p:cNvPr id="1" name=""/>
+        <p:cNvGrpSpPr/>
+        <p:nvPr/>
+      </p:nvGrpSpPr>
+      <p:grpSpPr>
+        <a:xfrm>
+          <a:off x="0" y="0"/>
+          <a:ext cx="0" cy="0"/>
+          <a:chOff x="0" y="0"/>
+          <a:chExt cx="0" cy="0"/>
+        </a:xfrm>
+      </p:grpSpPr>
+      <p:sp>
+        <p:nvSpPr>
+          <p:cNvPr id="2" name="標題 1"/>
+          <p:cNvSpPr>
+            <a:spLocks noGrp="1"/>
+          </p:cNvSpPr>
+          <p:nvPr>
+            <p:ph type="title"/>
+          </p:nvPr>
+        </p:nvSpPr>
+        <p:spPr/>
+        <p:txBody>
+          <a:bodyPr/>
+          <a:lstStyle/>
+          <a:p>
+            <a:r>
               <a:rPr lang="en-US" altLang="zh-TW" spc="300" dirty="0" smtClean="0"/>
               <a:t>App</a:t>
             </a:r>
@@ -5033,7 +5117,7 @@
 </p:sld>
 </file>
 
-<file path=ppt/slides/slide6.xml><?xml version="1.0" encoding="utf-8"?>
+<file path=ppt/slides/slide7.xml><?xml version="1.0" encoding="utf-8"?>
 <p:sld xmlns:a="http://schemas.openxmlformats.org/drawingml/2006/main" xmlns:r="http://schemas.openxmlformats.org/officeDocument/2006/relationships" xmlns:p="http://schemas.openxmlformats.org/presentationml/2006/main">
   <p:cSld>
     <p:spTree>
@@ -5150,7 +5234,7 @@
 </p:sld>
 </file>
 
-<file path=ppt/slides/slide7.xml><?xml version="1.0" encoding="utf-8"?>
+<file path=ppt/slides/slide8.xml><?xml version="1.0" encoding="utf-8"?>
 <p:sld xmlns:a="http://schemas.openxmlformats.org/drawingml/2006/main" xmlns:r="http://schemas.openxmlformats.org/officeDocument/2006/relationships" xmlns:p="http://schemas.openxmlformats.org/presentationml/2006/main">
   <p:cSld>
     <p:spTree>
